--- a/Detecting Hate Speech.pptx
+++ b/Detecting Hate Speech.pptx
@@ -5,7 +5,7 @@
     <p:sldMasterId id="2147483660" r:id="rId1"/>
   </p:sldMasterIdLst>
   <p:notesMasterIdLst>
-    <p:notesMasterId r:id="rId7"/>
+    <p:notesMasterId r:id="rId8"/>
   </p:notesMasterIdLst>
   <p:sldIdLst>
     <p:sldId id="256" r:id="rId2"/>
@@ -13,6 +13,7 @@
     <p:sldId id="258" r:id="rId4"/>
     <p:sldId id="259" r:id="rId5"/>
     <p:sldId id="260" r:id="rId6"/>
+    <p:sldId id="261" r:id="rId7"/>
   </p:sldIdLst>
   <p:sldSz cx="12192000" cy="6858000"/>
   <p:notesSz cx="6858000" cy="9144000"/>
@@ -111,7 +112,92 @@
       </a:defRPr>
     </a:lvl9pPr>
   </p:defaultTextStyle>
+  <p:extLst>
+    <p:ext uri="{EFAFB233-063F-42B5-8137-9DF3F51BA10A}">
+      <p15:sldGuideLst xmlns:p15="http://schemas.microsoft.com/office/powerpoint/2012/main"/>
+    </p:ext>
+  </p:extLst>
 </p:presentation>
+</file>
+
+<file path=ppt/changesInfos/changesInfo1.xml><?xml version="1.0" encoding="utf-8"?>
+<pc:chgInfo xmlns:a="http://schemas.openxmlformats.org/drawingml/2006/main" xmlns:r="http://schemas.openxmlformats.org/officeDocument/2006/relationships" xmlns:ac="http://schemas.microsoft.com/office/drawing/2013/main/command" xmlns:pc="http://schemas.microsoft.com/office/powerpoint/2013/main/command">
+  <pc:docChgLst>
+    <pc:chgData name="Powell, Derek" userId="59fd34d4-0433-4f32-b4ae-f8a7e1419d4a" providerId="ADAL" clId="{A6ABBF5A-1EBA-4DAB-B1ED-36B6EF4A1A12}"/>
+    <pc:docChg chg="custSel addSld modSld">
+      <pc:chgData name="Powell, Derek" userId="59fd34d4-0433-4f32-b4ae-f8a7e1419d4a" providerId="ADAL" clId="{A6ABBF5A-1EBA-4DAB-B1ED-36B6EF4A1A12}" dt="2022-06-21T21:39:06.280" v="512" actId="313"/>
+      <pc:docMkLst>
+        <pc:docMk/>
+      </pc:docMkLst>
+      <pc:sldChg chg="modNotesTx">
+        <pc:chgData name="Powell, Derek" userId="59fd34d4-0433-4f32-b4ae-f8a7e1419d4a" providerId="ADAL" clId="{A6ABBF5A-1EBA-4DAB-B1ED-36B6EF4A1A12}" dt="2022-06-21T21:03:01.565" v="0"/>
+        <pc:sldMkLst>
+          <pc:docMk/>
+          <pc:sldMk cId="4174990633" sldId="256"/>
+        </pc:sldMkLst>
+      </pc:sldChg>
+      <pc:sldChg chg="modNotesTx">
+        <pc:chgData name="Powell, Derek" userId="59fd34d4-0433-4f32-b4ae-f8a7e1419d4a" providerId="ADAL" clId="{A6ABBF5A-1EBA-4DAB-B1ED-36B6EF4A1A12}" dt="2022-06-21T21:03:03.399" v="1"/>
+        <pc:sldMkLst>
+          <pc:docMk/>
+          <pc:sldMk cId="3785231212" sldId="257"/>
+        </pc:sldMkLst>
+      </pc:sldChg>
+      <pc:sldChg chg="modSp mod modNotesTx">
+        <pc:chgData name="Powell, Derek" userId="59fd34d4-0433-4f32-b4ae-f8a7e1419d4a" providerId="ADAL" clId="{A6ABBF5A-1EBA-4DAB-B1ED-36B6EF4A1A12}" dt="2022-06-21T21:36:25.241" v="19" actId="207"/>
+        <pc:sldMkLst>
+          <pc:docMk/>
+          <pc:sldMk cId="725566165" sldId="258"/>
+        </pc:sldMkLst>
+        <pc:spChg chg="mod">
+          <ac:chgData name="Powell, Derek" userId="59fd34d4-0433-4f32-b4ae-f8a7e1419d4a" providerId="ADAL" clId="{A6ABBF5A-1EBA-4DAB-B1ED-36B6EF4A1A12}" dt="2022-06-21T21:36:25.241" v="19" actId="207"/>
+          <ac:spMkLst>
+            <pc:docMk/>
+            <pc:sldMk cId="725566165" sldId="258"/>
+            <ac:spMk id="3" creationId="{E3EEE817-B6A1-4E7B-A14A-07A95FA5B19D}"/>
+          </ac:spMkLst>
+        </pc:spChg>
+      </pc:sldChg>
+      <pc:sldChg chg="modNotesTx">
+        <pc:chgData name="Powell, Derek" userId="59fd34d4-0433-4f32-b4ae-f8a7e1419d4a" providerId="ADAL" clId="{A6ABBF5A-1EBA-4DAB-B1ED-36B6EF4A1A12}" dt="2022-06-21T21:03:45.415" v="3"/>
+        <pc:sldMkLst>
+          <pc:docMk/>
+          <pc:sldMk cId="1999534832" sldId="259"/>
+        </pc:sldMkLst>
+      </pc:sldChg>
+      <pc:sldChg chg="modNotesTx">
+        <pc:chgData name="Powell, Derek" userId="59fd34d4-0433-4f32-b4ae-f8a7e1419d4a" providerId="ADAL" clId="{A6ABBF5A-1EBA-4DAB-B1ED-36B6EF4A1A12}" dt="2022-06-21T21:03:52.460" v="4"/>
+        <pc:sldMkLst>
+          <pc:docMk/>
+          <pc:sldMk cId="1506358228" sldId="260"/>
+        </pc:sldMkLst>
+      </pc:sldChg>
+      <pc:sldChg chg="modSp new mod">
+        <pc:chgData name="Powell, Derek" userId="59fd34d4-0433-4f32-b4ae-f8a7e1419d4a" providerId="ADAL" clId="{A6ABBF5A-1EBA-4DAB-B1ED-36B6EF4A1A12}" dt="2022-06-21T21:39:06.280" v="512" actId="313"/>
+        <pc:sldMkLst>
+          <pc:docMk/>
+          <pc:sldMk cId="2797700355" sldId="261"/>
+        </pc:sldMkLst>
+        <pc:spChg chg="mod">
+          <ac:chgData name="Powell, Derek" userId="59fd34d4-0433-4f32-b4ae-f8a7e1419d4a" providerId="ADAL" clId="{A6ABBF5A-1EBA-4DAB-B1ED-36B6EF4A1A12}" dt="2022-06-21T21:36:33.218" v="20" actId="207"/>
+          <ac:spMkLst>
+            <pc:docMk/>
+            <pc:sldMk cId="2797700355" sldId="261"/>
+            <ac:spMk id="2" creationId="{634037C2-31C6-4401-8B32-2A951B76526F}"/>
+          </ac:spMkLst>
+        </pc:spChg>
+        <pc:spChg chg="mod">
+          <ac:chgData name="Powell, Derek" userId="59fd34d4-0433-4f32-b4ae-f8a7e1419d4a" providerId="ADAL" clId="{A6ABBF5A-1EBA-4DAB-B1ED-36B6EF4A1A12}" dt="2022-06-21T21:39:06.280" v="512" actId="313"/>
+          <ac:spMkLst>
+            <pc:docMk/>
+            <pc:sldMk cId="2797700355" sldId="261"/>
+            <ac:spMk id="3" creationId="{DB4E9E18-2CA5-4333-83EE-0C2BA638B25A}"/>
+          </ac:spMkLst>
+        </pc:spChg>
+      </pc:sldChg>
+    </pc:docChg>
+  </pc:docChgLst>
+</pc:chgInfo>
 </file>
 
 <file path=ppt/notesMasters/notesMaster1.xml><?xml version="1.0" encoding="utf-8"?>
@@ -196,7 +282,7 @@
           <a:p>
             <a:fld id="{35937904-1BDB-4661-83F7-CC47CFE9284E}" type="datetimeFigureOut">
               <a:rPr lang="en-US" smtClean="0"/>
-              <a:t>5/20/2022</a:t>
+              <a:t>6/21/2022</a:t>
             </a:fld>
             <a:endParaRPr lang="en-US"/>
           </a:p>
@@ -507,26 +593,44 @@
           <a:bodyPr/>
           <a:lstStyle/>
           <a:p>
-            <a:pPr marL="0" marR="0" lvl="0" indent="0" algn="l" defTabSz="914400" rtl="0" eaLnBrk="1" fontAlgn="auto" latinLnBrk="0" hangingPunct="1">
-              <a:lnSpc>
-                <a:spcPct val="100000"/>
-              </a:lnSpc>
+            <a:pPr marL="0" marR="0">
               <a:spcBef>
                 <a:spcPts val="0"/>
               </a:spcBef>
               <a:spcAft>
                 <a:spcPts val="0"/>
               </a:spcAft>
-              <a:buClrTx/>
-              <a:buSzTx/>
-              <a:buFontTx/>
-              <a:buNone/>
-              <a:tabLst/>
-              <a:defRPr/>
             </a:pPr>
             <a:r>
-              <a:rPr lang="en-US" dirty="0"/>
-              <a:t>In a dataset containing 135,000 tweets from Twitter, independently annotated, we see that nearly half of them are labeled as ‘abusive’. </a:t>
+              <a:rPr lang="en-US" sz="1800" b="1" u="sng" dirty="0">
+                <a:effectLst/>
+                <a:latin typeface="Calibri" panose="020F0502020204030204" pitchFamily="34" charset="0"/>
+              </a:rPr>
+              <a:t>Problem identification</a:t>
+            </a:r>
+            <a:r>
+              <a:rPr lang="en-US" sz="1800" dirty="0">
+                <a:effectLst/>
+                <a:latin typeface="Calibri" panose="020F0502020204030204" pitchFamily="34" charset="0"/>
+              </a:rPr>
+              <a:t>: </a:t>
+            </a:r>
+          </a:p>
+          <a:p>
+            <a:pPr marL="0" marR="0">
+              <a:spcBef>
+                <a:spcPts val="0"/>
+              </a:spcBef>
+              <a:spcAft>
+                <a:spcPts val="0"/>
+              </a:spcAft>
+            </a:pPr>
+            <a:r>
+              <a:rPr lang="en-US" sz="1800" dirty="0">
+                <a:effectLst/>
+                <a:latin typeface="Calibri" panose="020F0502020204030204" pitchFamily="34" charset="0"/>
+              </a:rPr>
+              <a:t>Abusive communication in communication platforms can hurt user engagement and damage product branding-- both of which can have a high cost. This is especially true for those platforms geared towards child and adolescent markets. In order to properly manage against these potential costs, companies have to be able to identify when and where the abusive communication occurs. </a:t>
             </a:r>
           </a:p>
           <a:p>
@@ -551,7 +655,7 @@
           <a:p>
             <a:fld id="{C0F70067-0629-46F8-B954-B4FB29A5A58A}" type="slidenum">
               <a:rPr lang="en-US" smtClean="0"/>
-              <a:t>3</a:t>
+              <a:t>1</a:t>
             </a:fld>
             <a:endParaRPr lang="en-US"/>
           </a:p>
@@ -560,7 +664,7 @@
     </p:spTree>
     <p:extLst>
       <p:ext uri="{BB962C8B-B14F-4D97-AF65-F5344CB8AC3E}">
-        <p14:creationId xmlns:p14="http://schemas.microsoft.com/office/powerpoint/2010/main" val="3852305703"/>
+        <p14:creationId xmlns:p14="http://schemas.microsoft.com/office/powerpoint/2010/main" val="768777489"/>
       </p:ext>
     </p:extLst>
   </p:cSld>
@@ -614,10 +718,48 @@
           <a:bodyPr/>
           <a:lstStyle/>
           <a:p>
-            <a:r>
-              <a:rPr lang="en-US" dirty="0"/>
-              <a:t>Random Forest model with 300 Estimators</a:t>
-            </a:r>
+            <a:pPr marL="0" marR="0">
+              <a:spcBef>
+                <a:spcPts val="0"/>
+              </a:spcBef>
+              <a:spcAft>
+                <a:spcPts val="0"/>
+              </a:spcAft>
+            </a:pPr>
+            <a:r>
+              <a:rPr lang="en-US" sz="1800" b="1" u="sng" dirty="0">
+                <a:effectLst/>
+                <a:latin typeface="Calibri" panose="020F0502020204030204" pitchFamily="34" charset="0"/>
+              </a:rPr>
+              <a:t>Problem identification</a:t>
+            </a:r>
+            <a:r>
+              <a:rPr lang="en-US" sz="1800" dirty="0">
+                <a:effectLst/>
+                <a:latin typeface="Calibri" panose="020F0502020204030204" pitchFamily="34" charset="0"/>
+              </a:rPr>
+              <a:t>: </a:t>
+            </a:r>
+          </a:p>
+          <a:p>
+            <a:pPr marL="0" marR="0">
+              <a:spcBef>
+                <a:spcPts val="0"/>
+              </a:spcBef>
+              <a:spcAft>
+                <a:spcPts val="0"/>
+              </a:spcAft>
+            </a:pPr>
+            <a:r>
+              <a:rPr lang="en-US" sz="1800" dirty="0">
+                <a:effectLst/>
+                <a:latin typeface="Calibri" panose="020F0502020204030204" pitchFamily="34" charset="0"/>
+              </a:rPr>
+              <a:t>Abusive communication in communication platforms can hurt user engagement and damage product branding-- both of which can have a high cost. This is especially true for those platforms geared towards child and adolescent markets. In order to properly manage against these potential costs, companies have to be able to identify when and where the abusive communication occurs. </a:t>
+            </a:r>
+          </a:p>
+          <a:p>
+            <a:endParaRPr lang="en-US" dirty="0"/>
           </a:p>
         </p:txBody>
       </p:sp>
@@ -638,7 +780,7 @@
           <a:p>
             <a:fld id="{C0F70067-0629-46F8-B954-B4FB29A5A58A}" type="slidenum">
               <a:rPr lang="en-US" smtClean="0"/>
-              <a:t>4</a:t>
+              <a:t>2</a:t>
             </a:fld>
             <a:endParaRPr lang="en-US"/>
           </a:p>
@@ -647,7 +789,7 @@
     </p:spTree>
     <p:extLst>
       <p:ext uri="{BB962C8B-B14F-4D97-AF65-F5344CB8AC3E}">
-        <p14:creationId xmlns:p14="http://schemas.microsoft.com/office/powerpoint/2010/main" val="3141832497"/>
+        <p14:creationId xmlns:p14="http://schemas.microsoft.com/office/powerpoint/2010/main" val="1696458541"/>
       </p:ext>
     </p:extLst>
   </p:cSld>
@@ -700,6 +842,875 @@
         <p:txBody>
           <a:bodyPr/>
           <a:lstStyle/>
+          <a:p>
+            <a:pPr marL="0" marR="0">
+              <a:spcBef>
+                <a:spcPts val="0"/>
+              </a:spcBef>
+              <a:spcAft>
+                <a:spcPts val="0"/>
+              </a:spcAft>
+            </a:pPr>
+            <a:r>
+              <a:rPr lang="en-US" sz="1800" b="1" u="sng" dirty="0">
+                <a:effectLst/>
+                <a:latin typeface="Calibri" panose="020F0502020204030204" pitchFamily="34" charset="0"/>
+              </a:rPr>
+              <a:t>Data Wrangling</a:t>
+            </a:r>
+            <a:r>
+              <a:rPr lang="en-US" sz="1800" dirty="0">
+                <a:effectLst/>
+                <a:latin typeface="Calibri" panose="020F0502020204030204" pitchFamily="34" charset="0"/>
+              </a:rPr>
+              <a:t>: </a:t>
+            </a:r>
+          </a:p>
+          <a:p>
+            <a:pPr marL="0" marR="0">
+              <a:spcBef>
+                <a:spcPts val="0"/>
+              </a:spcBef>
+              <a:spcAft>
+                <a:spcPts val="0"/>
+              </a:spcAft>
+            </a:pPr>
+            <a:r>
+              <a:rPr lang="en-US" sz="1800" dirty="0">
+                <a:effectLst/>
+                <a:latin typeface="Calibri" panose="020F0502020204030204" pitchFamily="34" charset="0"/>
+              </a:rPr>
+              <a:t>Used a public dataset annotated by a group of students for their </a:t>
+            </a:r>
+            <a:r>
+              <a:rPr lang="en-US" sz="1800" dirty="0" err="1">
+                <a:effectLst/>
+                <a:latin typeface="Calibri" panose="020F0502020204030204" pitchFamily="34" charset="0"/>
+              </a:rPr>
+              <a:t>phd</a:t>
+            </a:r>
+            <a:r>
+              <a:rPr lang="en-US" sz="1800" dirty="0">
+                <a:effectLst/>
+                <a:latin typeface="Calibri" panose="020F0502020204030204" pitchFamily="34" charset="0"/>
+              </a:rPr>
+              <a:t> thesis</a:t>
+            </a:r>
+          </a:p>
+          <a:p>
+            <a:pPr rtl="0" fontAlgn="ctr">
+              <a:spcBef>
+                <a:spcPts val="0"/>
+              </a:spcBef>
+              <a:spcAft>
+                <a:spcPts val="0"/>
+              </a:spcAft>
+              <a:buFont typeface="Arial" panose="020B0604020202020204" pitchFamily="34" charset="0"/>
+              <a:buChar char="•"/>
+            </a:pPr>
+            <a:r>
+              <a:rPr lang="en-US" sz="1800" dirty="0">
+                <a:effectLst/>
+                <a:latin typeface="Calibri" panose="020F0502020204030204" pitchFamily="34" charset="0"/>
+              </a:rPr>
+              <a:t>130,000 Twitter tweets, scored for several different kinds of abuse, culminating in a continuous variable between -8 and 6, where 6 was 'very abusive in all ways'.</a:t>
+            </a:r>
+          </a:p>
+          <a:p>
+            <a:pPr marL="0" marR="0">
+              <a:spcBef>
+                <a:spcPts val="0"/>
+              </a:spcBef>
+              <a:spcAft>
+                <a:spcPts val="0"/>
+              </a:spcAft>
+            </a:pPr>
+            <a:r>
+              <a:rPr lang="en-US" sz="1800" dirty="0">
+                <a:effectLst/>
+                <a:latin typeface="Calibri" panose="020F0502020204030204" pitchFamily="34" charset="0"/>
+              </a:rPr>
+              <a:t> </a:t>
+            </a:r>
+          </a:p>
+          <a:p>
+            <a:pPr marL="0" marR="0">
+              <a:spcBef>
+                <a:spcPts val="0"/>
+              </a:spcBef>
+              <a:spcAft>
+                <a:spcPts val="0"/>
+              </a:spcAft>
+            </a:pPr>
+            <a:r>
+              <a:rPr lang="en-US" sz="1800" dirty="0">
+                <a:effectLst/>
+                <a:latin typeface="Calibri" panose="020F0502020204030204" pitchFamily="34" charset="0"/>
+              </a:rPr>
+              <a:t>Goal of 90% Recall or higher</a:t>
+            </a:r>
+          </a:p>
+          <a:p>
+            <a:pPr rtl="0" fontAlgn="ctr">
+              <a:spcBef>
+                <a:spcPts val="0"/>
+              </a:spcBef>
+              <a:spcAft>
+                <a:spcPts val="0"/>
+              </a:spcAft>
+              <a:buFont typeface="Arial" panose="020B0604020202020204" pitchFamily="34" charset="0"/>
+              <a:buChar char="•"/>
+            </a:pPr>
+            <a:r>
+              <a:rPr lang="en-US" sz="1800" dirty="0">
+                <a:effectLst/>
+                <a:latin typeface="Calibri" panose="020F0502020204030204" pitchFamily="34" charset="0"/>
+              </a:rPr>
+              <a:t>Or that 10% or less abusive posts would be misclassified</a:t>
+            </a:r>
+          </a:p>
+          <a:p>
+            <a:pPr marL="0" marR="0">
+              <a:spcBef>
+                <a:spcPts val="0"/>
+              </a:spcBef>
+              <a:spcAft>
+                <a:spcPts val="0"/>
+              </a:spcAft>
+            </a:pPr>
+            <a:r>
+              <a:rPr lang="en-US" sz="1800" dirty="0">
+                <a:effectLst/>
+                <a:latin typeface="Calibri" panose="020F0502020204030204" pitchFamily="34" charset="0"/>
+              </a:rPr>
+              <a:t> </a:t>
+            </a:r>
+          </a:p>
+          <a:p>
+            <a:pPr marL="0" marR="0">
+              <a:spcBef>
+                <a:spcPts val="0"/>
+              </a:spcBef>
+              <a:spcAft>
+                <a:spcPts val="0"/>
+              </a:spcAft>
+            </a:pPr>
+            <a:r>
+              <a:rPr lang="en-US" sz="1800" dirty="0">
+                <a:effectLst/>
+                <a:latin typeface="Calibri" panose="020F0502020204030204" pitchFamily="34" charset="0"/>
+              </a:rPr>
+              <a:t>Took continuous -8 - 6 Abuse score and made it binary, 1 for Abusive, 0 for no</a:t>
+            </a:r>
+          </a:p>
+          <a:p>
+            <a:pPr marL="0" marR="0">
+              <a:spcBef>
+                <a:spcPts val="0"/>
+              </a:spcBef>
+              <a:spcAft>
+                <a:spcPts val="0"/>
+              </a:spcAft>
+            </a:pPr>
+            <a:r>
+              <a:rPr lang="en-US" sz="1800" dirty="0">
+                <a:effectLst/>
+                <a:latin typeface="Calibri" panose="020F0502020204030204" pitchFamily="34" charset="0"/>
+              </a:rPr>
+              <a:t> </a:t>
+            </a:r>
+          </a:p>
+          <a:p>
+            <a:pPr marL="0" marR="0">
+              <a:spcBef>
+                <a:spcPts val="0"/>
+              </a:spcBef>
+              <a:spcAft>
+                <a:spcPts val="0"/>
+              </a:spcAft>
+            </a:pPr>
+            <a:r>
+              <a:rPr lang="en-US" sz="1800" dirty="0">
+                <a:effectLst/>
+                <a:latin typeface="Calibri" panose="020F0502020204030204" pitchFamily="34" charset="0"/>
+              </a:rPr>
+              <a:t>Dropped remaining features </a:t>
+            </a:r>
+          </a:p>
+          <a:p>
+            <a:pPr marL="0" marR="0">
+              <a:spcBef>
+                <a:spcPts val="0"/>
+              </a:spcBef>
+              <a:spcAft>
+                <a:spcPts val="0"/>
+              </a:spcAft>
+            </a:pPr>
+            <a:r>
+              <a:rPr lang="en-US" sz="1800" dirty="0">
+                <a:effectLst/>
+                <a:latin typeface="Calibri" panose="020F0502020204030204" pitchFamily="34" charset="0"/>
+              </a:rPr>
+              <a:t> </a:t>
+            </a:r>
+          </a:p>
+          <a:p>
+            <a:pPr marL="0" marR="0">
+              <a:spcBef>
+                <a:spcPts val="0"/>
+              </a:spcBef>
+              <a:spcAft>
+                <a:spcPts val="0"/>
+              </a:spcAft>
+            </a:pPr>
+            <a:r>
+              <a:rPr lang="en-US" sz="1800" b="1" u="sng" dirty="0">
+                <a:effectLst/>
+                <a:latin typeface="Calibri" panose="020F0502020204030204" pitchFamily="34" charset="0"/>
+              </a:rPr>
+              <a:t>EDA: </a:t>
+            </a:r>
+            <a:endParaRPr lang="en-US" sz="1800" dirty="0">
+              <a:effectLst/>
+              <a:latin typeface="Calibri" panose="020F0502020204030204" pitchFamily="34" charset="0"/>
+            </a:endParaRPr>
+          </a:p>
+          <a:p>
+            <a:pPr marL="0" marR="0">
+              <a:spcBef>
+                <a:spcPts val="0"/>
+              </a:spcBef>
+              <a:spcAft>
+                <a:spcPts val="0"/>
+              </a:spcAft>
+            </a:pPr>
+            <a:r>
+              <a:rPr lang="en-US" sz="1800" dirty="0">
+                <a:effectLst/>
+                <a:latin typeface="Calibri" panose="020F0502020204030204" pitchFamily="34" charset="0"/>
+              </a:rPr>
+              <a:t>Not much EDA, I took a histogram of </a:t>
+            </a:r>
+            <a:r>
+              <a:rPr lang="en-US" sz="1800" dirty="0" err="1">
+                <a:effectLst/>
+                <a:latin typeface="Calibri" panose="020F0502020204030204" pitchFamily="34" charset="0"/>
+              </a:rPr>
+              <a:t>HateSpeechScore</a:t>
+            </a:r>
+            <a:r>
+              <a:rPr lang="en-US" sz="1800" dirty="0">
+                <a:effectLst/>
+                <a:latin typeface="Calibri" panose="020F0502020204030204" pitchFamily="34" charset="0"/>
+              </a:rPr>
+              <a:t> and found a relatively normal distribution of scores given</a:t>
+            </a:r>
+          </a:p>
+          <a:p>
+            <a:pPr marL="0" marR="0">
+              <a:spcBef>
+                <a:spcPts val="0"/>
+              </a:spcBef>
+              <a:spcAft>
+                <a:spcPts val="0"/>
+              </a:spcAft>
+            </a:pPr>
+            <a:r>
+              <a:rPr lang="en-US" sz="1800" dirty="0">
+                <a:effectLst/>
+                <a:latin typeface="Calibri" panose="020F0502020204030204" pitchFamily="34" charset="0"/>
+              </a:rPr>
+              <a:t>Visualizing the count of Abusive to non, it was about 45/55, in favor of non-abusive</a:t>
+            </a:r>
+          </a:p>
+          <a:p>
+            <a:pPr marL="0" marR="0">
+              <a:spcBef>
+                <a:spcPts val="0"/>
+              </a:spcBef>
+              <a:spcAft>
+                <a:spcPts val="0"/>
+              </a:spcAft>
+            </a:pPr>
+            <a:r>
+              <a:rPr lang="en-US" sz="1800" dirty="0">
+                <a:effectLst/>
+                <a:latin typeface="Calibri" panose="020F0502020204030204" pitchFamily="34" charset="0"/>
+              </a:rPr>
+              <a:t>I confirmed there were no missing values in the corpus text</a:t>
+            </a:r>
+          </a:p>
+          <a:p>
+            <a:pPr marL="0" marR="0">
+              <a:spcBef>
+                <a:spcPts val="0"/>
+              </a:spcBef>
+              <a:spcAft>
+                <a:spcPts val="0"/>
+              </a:spcAft>
+            </a:pPr>
+            <a:r>
+              <a:rPr lang="en-US" sz="1800" dirty="0">
+                <a:effectLst/>
+                <a:latin typeface="Calibri" panose="020F0502020204030204" pitchFamily="34" charset="0"/>
+              </a:rPr>
+              <a:t> </a:t>
+            </a:r>
+          </a:p>
+          <a:p>
+            <a:pPr marL="0" marR="0">
+              <a:spcBef>
+                <a:spcPts val="0"/>
+              </a:spcBef>
+              <a:spcAft>
+                <a:spcPts val="0"/>
+              </a:spcAft>
+            </a:pPr>
+            <a:r>
+              <a:rPr lang="en-US" sz="1800" b="1" u="sng" dirty="0">
+                <a:effectLst/>
+                <a:latin typeface="Calibri" panose="020F0502020204030204" pitchFamily="34" charset="0"/>
+              </a:rPr>
+              <a:t>Pre-Processing:</a:t>
+            </a:r>
+            <a:endParaRPr lang="en-US" sz="1800" dirty="0">
+              <a:effectLst/>
+              <a:latin typeface="Calibri" panose="020F0502020204030204" pitchFamily="34" charset="0"/>
+            </a:endParaRPr>
+          </a:p>
+          <a:p>
+            <a:pPr marL="0" marR="0">
+              <a:spcBef>
+                <a:spcPts val="0"/>
+              </a:spcBef>
+              <a:spcAft>
+                <a:spcPts val="0"/>
+              </a:spcAft>
+            </a:pPr>
+            <a:r>
+              <a:rPr lang="en-US" sz="1800" dirty="0">
+                <a:effectLst/>
+                <a:latin typeface="Calibri" panose="020F0502020204030204" pitchFamily="34" charset="0"/>
+              </a:rPr>
+              <a:t>Removed special characters</a:t>
+            </a:r>
+          </a:p>
+          <a:p>
+            <a:pPr marL="0" marR="0">
+              <a:spcBef>
+                <a:spcPts val="0"/>
+              </a:spcBef>
+              <a:spcAft>
+                <a:spcPts val="0"/>
+              </a:spcAft>
+            </a:pPr>
+            <a:r>
+              <a:rPr lang="en-US" sz="1800" dirty="0">
+                <a:effectLst/>
+                <a:latin typeface="Calibri" panose="020F0502020204030204" pitchFamily="34" charset="0"/>
+              </a:rPr>
+              <a:t>Lower case everything</a:t>
+            </a:r>
+          </a:p>
+          <a:p>
+            <a:pPr marL="0" marR="0">
+              <a:spcBef>
+                <a:spcPts val="0"/>
+              </a:spcBef>
+              <a:spcAft>
+                <a:spcPts val="0"/>
+              </a:spcAft>
+            </a:pPr>
+            <a:r>
+              <a:rPr lang="en-US" sz="1800" dirty="0">
+                <a:effectLst/>
+                <a:latin typeface="Calibri" panose="020F0502020204030204" pitchFamily="34" charset="0"/>
+              </a:rPr>
+              <a:t>Apply TF-IDF vectorizer </a:t>
+            </a:r>
+          </a:p>
+          <a:p>
+            <a:pPr rtl="0" fontAlgn="ctr">
+              <a:spcBef>
+                <a:spcPts val="0"/>
+              </a:spcBef>
+              <a:spcAft>
+                <a:spcPts val="0"/>
+              </a:spcAft>
+              <a:buFont typeface="Arial" panose="020B0604020202020204" pitchFamily="34" charset="0"/>
+              <a:buChar char="•"/>
+            </a:pPr>
+            <a:r>
+              <a:rPr lang="en-US" sz="1800" dirty="0">
+                <a:effectLst/>
+                <a:latin typeface="Calibri" panose="020F0502020204030204" pitchFamily="34" charset="0"/>
+              </a:rPr>
+              <a:t>Remove Stop words</a:t>
+            </a:r>
+          </a:p>
+          <a:p>
+            <a:pPr rtl="0" fontAlgn="ctr">
+              <a:spcBef>
+                <a:spcPts val="0"/>
+              </a:spcBef>
+              <a:spcAft>
+                <a:spcPts val="0"/>
+              </a:spcAft>
+              <a:buFont typeface="Arial" panose="020B0604020202020204" pitchFamily="34" charset="0"/>
+              <a:buChar char="•"/>
+            </a:pPr>
+            <a:r>
+              <a:rPr lang="en-US" sz="1800" dirty="0">
+                <a:effectLst/>
+                <a:latin typeface="Calibri" panose="020F0502020204030204" pitchFamily="34" charset="0"/>
+              </a:rPr>
+              <a:t>Cast back into an array and then into data frame</a:t>
+            </a:r>
+          </a:p>
+          <a:p>
+            <a:pPr marL="0" marR="0">
+              <a:spcBef>
+                <a:spcPts val="0"/>
+              </a:spcBef>
+              <a:spcAft>
+                <a:spcPts val="0"/>
+              </a:spcAft>
+            </a:pPr>
+            <a:r>
+              <a:rPr lang="en-US" sz="1800" dirty="0">
+                <a:effectLst/>
+                <a:latin typeface="Calibri" panose="020F0502020204030204" pitchFamily="34" charset="0"/>
+              </a:rPr>
+              <a:t>PROBLEM: Casting the sparse matrix back into an array was crashing my kernel, so I had to decrease corpus size by sampling only 25% of my data. </a:t>
+            </a:r>
+          </a:p>
+          <a:p>
+            <a:pPr rtl="0" fontAlgn="ctr">
+              <a:spcBef>
+                <a:spcPts val="0"/>
+              </a:spcBef>
+              <a:spcAft>
+                <a:spcPts val="0"/>
+              </a:spcAft>
+              <a:buFont typeface="Arial" panose="020B0604020202020204" pitchFamily="34" charset="0"/>
+              <a:buChar char="•"/>
+            </a:pPr>
+            <a:r>
+              <a:rPr lang="en-US" sz="1800" dirty="0">
+                <a:effectLst/>
+                <a:latin typeface="Calibri" panose="020F0502020204030204" pitchFamily="34" charset="0"/>
+              </a:rPr>
+              <a:t>Later feedback from a mentor said I could have left these as sparse matrices and used them in my model training directly</a:t>
+            </a:r>
+          </a:p>
+          <a:p>
+            <a:pPr marL="0" marR="0">
+              <a:spcBef>
+                <a:spcPts val="0"/>
+              </a:spcBef>
+              <a:spcAft>
+                <a:spcPts val="0"/>
+              </a:spcAft>
+            </a:pPr>
+            <a:r>
+              <a:rPr lang="en-US" sz="1800" dirty="0">
+                <a:effectLst/>
+                <a:latin typeface="Calibri" panose="020F0502020204030204" pitchFamily="34" charset="0"/>
+              </a:rPr>
+              <a:t> </a:t>
+            </a:r>
+          </a:p>
+        </p:txBody>
+      </p:sp>
+      <p:sp>
+        <p:nvSpPr>
+          <p:cNvPr id="4" name="Slide Number Placeholder 3"/>
+          <p:cNvSpPr>
+            <a:spLocks noGrp="1"/>
+          </p:cNvSpPr>
+          <p:nvPr>
+            <p:ph type="sldNum" sz="quarter" idx="5"/>
+          </p:nvPr>
+        </p:nvSpPr>
+        <p:spPr/>
+        <p:txBody>
+          <a:bodyPr/>
+          <a:lstStyle/>
+          <a:p>
+            <a:fld id="{C0F70067-0629-46F8-B954-B4FB29A5A58A}" type="slidenum">
+              <a:rPr lang="en-US" smtClean="0"/>
+              <a:t>3</a:t>
+            </a:fld>
+            <a:endParaRPr lang="en-US"/>
+          </a:p>
+        </p:txBody>
+      </p:sp>
+    </p:spTree>
+    <p:extLst>
+      <p:ext uri="{BB962C8B-B14F-4D97-AF65-F5344CB8AC3E}">
+        <p14:creationId xmlns:p14="http://schemas.microsoft.com/office/powerpoint/2010/main" val="3852305703"/>
+      </p:ext>
+    </p:extLst>
+  </p:cSld>
+  <p:clrMapOvr>
+    <a:masterClrMapping/>
+  </p:clrMapOvr>
+</p:notes>
+</file>
+
+<file path=ppt/notesSlides/notesSlide4.xml><?xml version="1.0" encoding="utf-8"?>
+<p:notes xmlns:a="http://schemas.openxmlformats.org/drawingml/2006/main" xmlns:r="http://schemas.openxmlformats.org/officeDocument/2006/relationships" xmlns:p="http://schemas.openxmlformats.org/presentationml/2006/main">
+  <p:cSld>
+    <p:spTree>
+      <p:nvGrpSpPr>
+        <p:cNvPr id="1" name=""/>
+        <p:cNvGrpSpPr/>
+        <p:nvPr/>
+      </p:nvGrpSpPr>
+      <p:grpSpPr>
+        <a:xfrm>
+          <a:off x="0" y="0"/>
+          <a:ext cx="0" cy="0"/>
+          <a:chOff x="0" y="0"/>
+          <a:chExt cx="0" cy="0"/>
+        </a:xfrm>
+      </p:grpSpPr>
+      <p:sp>
+        <p:nvSpPr>
+          <p:cNvPr id="2" name="Slide Image Placeholder 1"/>
+          <p:cNvSpPr>
+            <a:spLocks noGrp="1" noRot="1" noChangeAspect="1"/>
+          </p:cNvSpPr>
+          <p:nvPr>
+            <p:ph type="sldImg"/>
+          </p:nvPr>
+        </p:nvSpPr>
+        <p:spPr/>
+      </p:sp>
+      <p:sp>
+        <p:nvSpPr>
+          <p:cNvPr id="3" name="Notes Placeholder 2"/>
+          <p:cNvSpPr>
+            <a:spLocks noGrp="1"/>
+          </p:cNvSpPr>
+          <p:nvPr>
+            <p:ph type="body" idx="1"/>
+          </p:nvPr>
+        </p:nvSpPr>
+        <p:spPr/>
+        <p:txBody>
+          <a:bodyPr/>
+          <a:lstStyle/>
+          <a:p>
+            <a:pPr marL="0" marR="0">
+              <a:spcBef>
+                <a:spcPts val="0"/>
+              </a:spcBef>
+              <a:spcAft>
+                <a:spcPts val="0"/>
+              </a:spcAft>
+            </a:pPr>
+            <a:r>
+              <a:rPr lang="en-US" sz="1800" b="1" u="sng" dirty="0">
+                <a:effectLst/>
+                <a:latin typeface="Calibri" panose="020F0502020204030204" pitchFamily="34" charset="0"/>
+              </a:rPr>
+              <a:t>Modeling:</a:t>
+            </a:r>
+            <a:endParaRPr lang="en-US" sz="1800" dirty="0">
+              <a:effectLst/>
+              <a:latin typeface="Calibri" panose="020F0502020204030204" pitchFamily="34" charset="0"/>
+            </a:endParaRPr>
+          </a:p>
+          <a:p>
+            <a:pPr marL="0" marR="0">
+              <a:spcBef>
+                <a:spcPts val="0"/>
+              </a:spcBef>
+              <a:spcAft>
+                <a:spcPts val="0"/>
+              </a:spcAft>
+            </a:pPr>
+            <a:r>
+              <a:rPr lang="en-US" sz="1800" dirty="0">
+                <a:effectLst/>
+                <a:latin typeface="Calibri" panose="020F0502020204030204" pitchFamily="34" charset="0"/>
+              </a:rPr>
+              <a:t>Starting with a logistic regressor model, fairly out of the box hyper params, gave an 88% Recall</a:t>
+            </a:r>
+          </a:p>
+          <a:p>
+            <a:pPr marL="0" marR="0">
+              <a:spcBef>
+                <a:spcPts val="0"/>
+              </a:spcBef>
+              <a:spcAft>
+                <a:spcPts val="0"/>
+              </a:spcAft>
+            </a:pPr>
+            <a:r>
+              <a:rPr lang="en-US" sz="1800" dirty="0">
+                <a:effectLst/>
+                <a:latin typeface="Calibri" panose="020F0502020204030204" pitchFamily="34" charset="0"/>
+              </a:rPr>
+              <a:t>Used Grid search to test a multivariate hyper parameter grid, but could not get any appreciable increase with other variables combinations (&lt;1/100% increase).</a:t>
+            </a:r>
+          </a:p>
+          <a:p>
+            <a:pPr marL="0" marR="0">
+              <a:spcBef>
+                <a:spcPts val="0"/>
+              </a:spcBef>
+              <a:spcAft>
+                <a:spcPts val="0"/>
+              </a:spcAft>
+            </a:pPr>
+            <a:r>
+              <a:rPr lang="en-US" sz="1800" dirty="0">
+                <a:effectLst/>
+                <a:latin typeface="Calibri" panose="020F0502020204030204" pitchFamily="34" charset="0"/>
+              </a:rPr>
+              <a:t> </a:t>
+            </a:r>
+          </a:p>
+          <a:p>
+            <a:pPr marL="0" marR="0">
+              <a:spcBef>
+                <a:spcPts val="0"/>
+              </a:spcBef>
+              <a:spcAft>
+                <a:spcPts val="0"/>
+              </a:spcAft>
+            </a:pPr>
+            <a:r>
+              <a:rPr lang="en-US" sz="1800" dirty="0">
+                <a:effectLst/>
+                <a:latin typeface="Calibri" panose="020F0502020204030204" pitchFamily="34" charset="0"/>
+              </a:rPr>
+              <a:t>Then trained a </a:t>
+            </a:r>
+            <a:r>
+              <a:rPr lang="en-US" sz="1800" dirty="0" err="1">
+                <a:effectLst/>
+                <a:latin typeface="Calibri" panose="020F0502020204030204" pitchFamily="34" charset="0"/>
+              </a:rPr>
+              <a:t>RandomForest</a:t>
+            </a:r>
+            <a:r>
+              <a:rPr lang="en-US" sz="1800" dirty="0">
+                <a:effectLst/>
+                <a:latin typeface="Calibri" panose="020F0502020204030204" pitchFamily="34" charset="0"/>
+              </a:rPr>
+              <a:t> model, again using </a:t>
+            </a:r>
+            <a:r>
+              <a:rPr lang="en-US" sz="1800" dirty="0" err="1">
+                <a:effectLst/>
+                <a:latin typeface="Calibri" panose="020F0502020204030204" pitchFamily="34" charset="0"/>
+              </a:rPr>
+              <a:t>gridsearch</a:t>
+            </a:r>
+            <a:r>
+              <a:rPr lang="en-US" sz="1800" dirty="0">
+                <a:effectLst/>
+                <a:latin typeface="Calibri" panose="020F0502020204030204" pitchFamily="34" charset="0"/>
+              </a:rPr>
+              <a:t> to optimize </a:t>
+            </a:r>
+            <a:r>
+              <a:rPr lang="en-US" sz="1800" dirty="0" err="1">
+                <a:effectLst/>
+                <a:latin typeface="Calibri" panose="020F0502020204030204" pitchFamily="34" charset="0"/>
+              </a:rPr>
+              <a:t>hyperparams</a:t>
+            </a:r>
+            <a:r>
+              <a:rPr lang="en-US" sz="1800" dirty="0">
+                <a:effectLst/>
+                <a:latin typeface="Calibri" panose="020F0502020204030204" pitchFamily="34" charset="0"/>
+              </a:rPr>
+              <a:t> and ended up with a model that had Recall 92%</a:t>
+            </a:r>
+          </a:p>
+        </p:txBody>
+      </p:sp>
+      <p:sp>
+        <p:nvSpPr>
+          <p:cNvPr id="4" name="Slide Number Placeholder 3"/>
+          <p:cNvSpPr>
+            <a:spLocks noGrp="1"/>
+          </p:cNvSpPr>
+          <p:nvPr>
+            <p:ph type="sldNum" sz="quarter" idx="5"/>
+          </p:nvPr>
+        </p:nvSpPr>
+        <p:spPr/>
+        <p:txBody>
+          <a:bodyPr/>
+          <a:lstStyle/>
+          <a:p>
+            <a:fld id="{C0F70067-0629-46F8-B954-B4FB29A5A58A}" type="slidenum">
+              <a:rPr lang="en-US" smtClean="0"/>
+              <a:t>4</a:t>
+            </a:fld>
+            <a:endParaRPr lang="en-US"/>
+          </a:p>
+        </p:txBody>
+      </p:sp>
+    </p:spTree>
+    <p:extLst>
+      <p:ext uri="{BB962C8B-B14F-4D97-AF65-F5344CB8AC3E}">
+        <p14:creationId xmlns:p14="http://schemas.microsoft.com/office/powerpoint/2010/main" val="3141832497"/>
+      </p:ext>
+    </p:extLst>
+  </p:cSld>
+  <p:clrMapOvr>
+    <a:masterClrMapping/>
+  </p:clrMapOvr>
+</p:notes>
+</file>
+
+<file path=ppt/notesSlides/notesSlide5.xml><?xml version="1.0" encoding="utf-8"?>
+<p:notes xmlns:a="http://schemas.openxmlformats.org/drawingml/2006/main" xmlns:r="http://schemas.openxmlformats.org/officeDocument/2006/relationships" xmlns:p="http://schemas.openxmlformats.org/presentationml/2006/main">
+  <p:cSld>
+    <p:spTree>
+      <p:nvGrpSpPr>
+        <p:cNvPr id="1" name=""/>
+        <p:cNvGrpSpPr/>
+        <p:nvPr/>
+      </p:nvGrpSpPr>
+      <p:grpSpPr>
+        <a:xfrm>
+          <a:off x="0" y="0"/>
+          <a:ext cx="0" cy="0"/>
+          <a:chOff x="0" y="0"/>
+          <a:chExt cx="0" cy="0"/>
+        </a:xfrm>
+      </p:grpSpPr>
+      <p:sp>
+        <p:nvSpPr>
+          <p:cNvPr id="2" name="Slide Image Placeholder 1"/>
+          <p:cNvSpPr>
+            <a:spLocks noGrp="1" noRot="1" noChangeAspect="1"/>
+          </p:cNvSpPr>
+          <p:nvPr>
+            <p:ph type="sldImg"/>
+          </p:nvPr>
+        </p:nvSpPr>
+        <p:spPr/>
+      </p:sp>
+      <p:sp>
+        <p:nvSpPr>
+          <p:cNvPr id="3" name="Notes Placeholder 2"/>
+          <p:cNvSpPr>
+            <a:spLocks noGrp="1"/>
+          </p:cNvSpPr>
+          <p:nvPr>
+            <p:ph type="body" idx="1"/>
+          </p:nvPr>
+        </p:nvSpPr>
+        <p:spPr/>
+        <p:txBody>
+          <a:bodyPr/>
+          <a:lstStyle/>
+          <a:p>
+            <a:pPr marL="0" marR="0">
+              <a:spcBef>
+                <a:spcPts val="0"/>
+              </a:spcBef>
+              <a:spcAft>
+                <a:spcPts val="0"/>
+              </a:spcAft>
+            </a:pPr>
+            <a:r>
+              <a:rPr lang="en-US" sz="1800" b="1" u="sng" dirty="0">
+                <a:effectLst/>
+                <a:latin typeface="Calibri" panose="020F0502020204030204" pitchFamily="34" charset="0"/>
+              </a:rPr>
+              <a:t>Additional work</a:t>
+            </a:r>
+            <a:r>
+              <a:rPr lang="en-US" sz="1800" dirty="0">
+                <a:effectLst/>
+                <a:latin typeface="Calibri" panose="020F0502020204030204" pitchFamily="34" charset="0"/>
+              </a:rPr>
+              <a:t> that could be done to possibly improve further upon the results: </a:t>
+            </a:r>
+          </a:p>
+          <a:p>
+            <a:pPr rtl="0" fontAlgn="ctr">
+              <a:spcBef>
+                <a:spcPts val="0"/>
+              </a:spcBef>
+              <a:spcAft>
+                <a:spcPts val="0"/>
+              </a:spcAft>
+              <a:buFont typeface="Arial" panose="020B0604020202020204" pitchFamily="34" charset="0"/>
+              <a:buChar char="•"/>
+            </a:pPr>
+            <a:r>
+              <a:rPr lang="en-US" sz="1800" dirty="0">
+                <a:effectLst/>
+                <a:latin typeface="Calibri" panose="020F0502020204030204" pitchFamily="34" charset="0"/>
+              </a:rPr>
+              <a:t>Try additional models (e.g. Ridge Regressor), or to </a:t>
+            </a:r>
+          </a:p>
+          <a:p>
+            <a:pPr rtl="0" fontAlgn="ctr">
+              <a:spcBef>
+                <a:spcPts val="0"/>
+              </a:spcBef>
+              <a:spcAft>
+                <a:spcPts val="0"/>
+              </a:spcAft>
+              <a:buFont typeface="Arial" panose="020B0604020202020204" pitchFamily="34" charset="0"/>
+              <a:buChar char="•"/>
+            </a:pPr>
+            <a:r>
+              <a:rPr lang="en-US" sz="1800" dirty="0">
+                <a:effectLst/>
+                <a:latin typeface="Calibri" panose="020F0502020204030204" pitchFamily="34" charset="0"/>
+              </a:rPr>
+              <a:t>use the original space matrices (post-vectorization) in the model training instead of casting them into data frames. </a:t>
+            </a:r>
+          </a:p>
+          <a:p>
+            <a:pPr rtl="0" fontAlgn="ctr">
+              <a:spcBef>
+                <a:spcPts val="0"/>
+              </a:spcBef>
+              <a:spcAft>
+                <a:spcPts val="0"/>
+              </a:spcAft>
+              <a:buFont typeface="Arial" panose="020B0604020202020204" pitchFamily="34" charset="0"/>
+              <a:buChar char="•"/>
+            </a:pPr>
+            <a:r>
+              <a:rPr lang="en-US" sz="1800" dirty="0">
+                <a:effectLst/>
+                <a:latin typeface="Calibri" panose="020F0502020204030204" pitchFamily="34" charset="0"/>
+              </a:rPr>
+              <a:t>Additional text could be brought in from other non-Twitter sources to diversity the nature of communication to more closely align to a different platform (e.g. gaming industry).</a:t>
+            </a:r>
+          </a:p>
+          <a:p>
+            <a:pPr marL="0" marR="0">
+              <a:spcBef>
+                <a:spcPts val="0"/>
+              </a:spcBef>
+              <a:spcAft>
+                <a:spcPts val="0"/>
+              </a:spcAft>
+            </a:pPr>
+            <a:r>
+              <a:rPr lang="en-US" sz="1800">
+                <a:effectLst/>
+                <a:latin typeface="Calibri" panose="020F0502020204030204" pitchFamily="34" charset="0"/>
+              </a:rPr>
+              <a:t> </a:t>
+            </a:r>
+          </a:p>
           <a:p>
             <a:endParaRPr lang="en-US" dirty="0"/>
           </a:p>
@@ -872,7 +1883,7 @@
           <a:p>
             <a:fld id="{C5D3EAD1-9D21-4620-B2A3-5CA8D505EC8A}" type="datetimeFigureOut">
               <a:rPr lang="en-US" smtClean="0"/>
-              <a:t>5/20/2022</a:t>
+              <a:t>6/21/2022</a:t>
             </a:fld>
             <a:endParaRPr lang="en-US"/>
           </a:p>
@@ -1042,7 +2053,7 @@
           <a:p>
             <a:fld id="{C5D3EAD1-9D21-4620-B2A3-5CA8D505EC8A}" type="datetimeFigureOut">
               <a:rPr lang="en-US" smtClean="0"/>
-              <a:t>5/20/2022</a:t>
+              <a:t>6/21/2022</a:t>
             </a:fld>
             <a:endParaRPr lang="en-US"/>
           </a:p>
@@ -1222,7 +2233,7 @@
           <a:p>
             <a:fld id="{C5D3EAD1-9D21-4620-B2A3-5CA8D505EC8A}" type="datetimeFigureOut">
               <a:rPr lang="en-US" smtClean="0"/>
-              <a:t>5/20/2022</a:t>
+              <a:t>6/21/2022</a:t>
             </a:fld>
             <a:endParaRPr lang="en-US"/>
           </a:p>
@@ -1392,7 +2403,7 @@
           <a:p>
             <a:fld id="{C5D3EAD1-9D21-4620-B2A3-5CA8D505EC8A}" type="datetimeFigureOut">
               <a:rPr lang="en-US" smtClean="0"/>
-              <a:t>5/20/2022</a:t>
+              <a:t>6/21/2022</a:t>
             </a:fld>
             <a:endParaRPr lang="en-US"/>
           </a:p>
@@ -1638,7 +2649,7 @@
           <a:p>
             <a:fld id="{C5D3EAD1-9D21-4620-B2A3-5CA8D505EC8A}" type="datetimeFigureOut">
               <a:rPr lang="en-US" smtClean="0"/>
-              <a:t>5/20/2022</a:t>
+              <a:t>6/21/2022</a:t>
             </a:fld>
             <a:endParaRPr lang="en-US"/>
           </a:p>
@@ -1870,7 +2881,7 @@
           <a:p>
             <a:fld id="{C5D3EAD1-9D21-4620-B2A3-5CA8D505EC8A}" type="datetimeFigureOut">
               <a:rPr lang="en-US" smtClean="0"/>
-              <a:t>5/20/2022</a:t>
+              <a:t>6/21/2022</a:t>
             </a:fld>
             <a:endParaRPr lang="en-US"/>
           </a:p>
@@ -2237,7 +3248,7 @@
           <a:p>
             <a:fld id="{C5D3EAD1-9D21-4620-B2A3-5CA8D505EC8A}" type="datetimeFigureOut">
               <a:rPr lang="en-US" smtClean="0"/>
-              <a:t>5/20/2022</a:t>
+              <a:t>6/21/2022</a:t>
             </a:fld>
             <a:endParaRPr lang="en-US"/>
           </a:p>
@@ -2355,7 +3366,7 @@
           <a:p>
             <a:fld id="{C5D3EAD1-9D21-4620-B2A3-5CA8D505EC8A}" type="datetimeFigureOut">
               <a:rPr lang="en-US" smtClean="0"/>
-              <a:t>5/20/2022</a:t>
+              <a:t>6/21/2022</a:t>
             </a:fld>
             <a:endParaRPr lang="en-US"/>
           </a:p>
@@ -2450,7 +3461,7 @@
           <a:p>
             <a:fld id="{C5D3EAD1-9D21-4620-B2A3-5CA8D505EC8A}" type="datetimeFigureOut">
               <a:rPr lang="en-US" smtClean="0"/>
-              <a:t>5/20/2022</a:t>
+              <a:t>6/21/2022</a:t>
             </a:fld>
             <a:endParaRPr lang="en-US"/>
           </a:p>
@@ -2727,7 +3738,7 @@
           <a:p>
             <a:fld id="{C5D3EAD1-9D21-4620-B2A3-5CA8D505EC8A}" type="datetimeFigureOut">
               <a:rPr lang="en-US" smtClean="0"/>
-              <a:t>5/20/2022</a:t>
+              <a:t>6/21/2022</a:t>
             </a:fld>
             <a:endParaRPr lang="en-US"/>
           </a:p>
@@ -2984,7 +3995,7 @@
           <a:p>
             <a:fld id="{C5D3EAD1-9D21-4620-B2A3-5CA8D505EC8A}" type="datetimeFigureOut">
               <a:rPr lang="en-US" smtClean="0"/>
-              <a:t>5/20/2022</a:t>
+              <a:t>6/21/2022</a:t>
             </a:fld>
             <a:endParaRPr lang="en-US"/>
           </a:p>
@@ -3197,7 +4208,7 @@
           <a:p>
             <a:fld id="{C5D3EAD1-9D21-4620-B2A3-5CA8D505EC8A}" type="datetimeFigureOut">
               <a:rPr lang="en-US" smtClean="0"/>
-              <a:t>5/20/2022</a:t>
+              <a:t>6/21/2022</a:t>
             </a:fld>
             <a:endParaRPr lang="en-US"/>
           </a:p>
@@ -4191,7 +5202,7 @@
           <p:nvPr/>
         </p:nvPicPr>
         <p:blipFill>
-          <a:blip r:embed="rId2">
+          <a:blip r:embed="rId3">
             <a:extLst>
               <a:ext uri="{28A0092B-C50C-407E-A947-70E740481C1C}">
                 <a14:useLocalDpi xmlns:a14="http://schemas.microsoft.com/office/drawing/2010/main" val="0"/>
@@ -4397,7 +5408,25 @@
                   </a:schemeClr>
                 </a:solidFill>
               </a:rPr>
-              <a:t>Over 40% of Twitter posts are considered ‘abusive’ in some way, as labeled by a volunteer team of annotators in an independent study.</a:t>
+              <a:t>Over 40% of Twitter posts are considered ‘</a:t>
+            </a:r>
+            <a:r>
+              <a:rPr lang="en-US" dirty="0">
+                <a:solidFill>
+                  <a:srgbClr val="D9D9D9"/>
+                </a:solidFill>
+              </a:rPr>
+              <a:t>abusive</a:t>
+            </a:r>
+            <a:r>
+              <a:rPr lang="en-US" dirty="0">
+                <a:solidFill>
+                  <a:schemeClr val="tx1">
+                    <a:lumMod val="85000"/>
+                  </a:schemeClr>
+                </a:solidFill>
+              </a:rPr>
+              <a:t>’ in some way, as labeled by a volunteer team of annotators in an independent study.</a:t>
             </a:r>
           </a:p>
         </p:txBody>
@@ -5117,6 +6146,157 @@
     <p:extLst>
       <p:ext uri="{BB962C8B-B14F-4D97-AF65-F5344CB8AC3E}">
         <p14:creationId xmlns:p14="http://schemas.microsoft.com/office/powerpoint/2010/main" val="1506358228"/>
+      </p:ext>
+    </p:extLst>
+  </p:cSld>
+  <p:clrMapOvr>
+    <a:masterClrMapping/>
+  </p:clrMapOvr>
+</p:sld>
+</file>
+
+<file path=ppt/slides/slide6.xml><?xml version="1.0" encoding="utf-8"?>
+<p:sld xmlns:a="http://schemas.openxmlformats.org/drawingml/2006/main" xmlns:r="http://schemas.openxmlformats.org/officeDocument/2006/relationships" xmlns:p="http://schemas.openxmlformats.org/presentationml/2006/main">
+  <p:cSld>
+    <p:spTree>
+      <p:nvGrpSpPr>
+        <p:cNvPr id="1" name=""/>
+        <p:cNvGrpSpPr/>
+        <p:nvPr/>
+      </p:nvGrpSpPr>
+      <p:grpSpPr>
+        <a:xfrm>
+          <a:off x="0" y="0"/>
+          <a:ext cx="0" cy="0"/>
+          <a:chOff x="0" y="0"/>
+          <a:chExt cx="0" cy="0"/>
+        </a:xfrm>
+      </p:grpSpPr>
+      <p:sp>
+        <p:nvSpPr>
+          <p:cNvPr id="2" name="Title 1">
+            <a:extLst>
+              <a:ext uri="{FF2B5EF4-FFF2-40B4-BE49-F238E27FC236}">
+                <a16:creationId xmlns:a16="http://schemas.microsoft.com/office/drawing/2014/main" id="{634037C2-31C6-4401-8B32-2A951B76526F}"/>
+              </a:ext>
+            </a:extLst>
+          </p:cNvPr>
+          <p:cNvSpPr>
+            <a:spLocks noGrp="1"/>
+          </p:cNvSpPr>
+          <p:nvPr>
+            <p:ph type="title"/>
+          </p:nvPr>
+        </p:nvSpPr>
+        <p:spPr/>
+        <p:txBody>
+          <a:bodyPr/>
+          <a:lstStyle/>
+          <a:p>
+            <a:r>
+              <a:rPr lang="en-US" dirty="0">
+                <a:solidFill>
+                  <a:srgbClr val="D9D9D9"/>
+                </a:solidFill>
+                <a:latin typeface="Arial Black" panose="020B0A04020102020204" pitchFamily="34" charset="0"/>
+              </a:rPr>
+              <a:t>Future Scope</a:t>
+            </a:r>
+          </a:p>
+        </p:txBody>
+      </p:sp>
+      <p:sp>
+        <p:nvSpPr>
+          <p:cNvPr id="3" name="Content Placeholder 2">
+            <a:extLst>
+              <a:ext uri="{FF2B5EF4-FFF2-40B4-BE49-F238E27FC236}">
+                <a16:creationId xmlns:a16="http://schemas.microsoft.com/office/drawing/2014/main" id="{DB4E9E18-2CA5-4333-83EE-0C2BA638B25A}"/>
+              </a:ext>
+            </a:extLst>
+          </p:cNvPr>
+          <p:cNvSpPr>
+            <a:spLocks noGrp="1"/>
+          </p:cNvSpPr>
+          <p:nvPr>
+            <p:ph idx="1"/>
+          </p:nvPr>
+        </p:nvSpPr>
+        <p:spPr/>
+        <p:txBody>
+          <a:bodyPr/>
+          <a:lstStyle/>
+          <a:p>
+            <a:r>
+              <a:rPr lang="en-US" dirty="0">
+                <a:solidFill>
+                  <a:srgbClr val="D9D9D9"/>
+                </a:solidFill>
+              </a:rPr>
+              <a:t>Using the full dataset via sparse matrices in training</a:t>
+            </a:r>
+          </a:p>
+          <a:p>
+            <a:r>
+              <a:rPr lang="en-US" dirty="0">
+                <a:solidFill>
+                  <a:srgbClr val="D9D9D9"/>
+                </a:solidFill>
+              </a:rPr>
+              <a:t>Using a different dataset from a different platform, e.g., a gaming platform, to get a different flavor of digital communication</a:t>
+            </a:r>
+          </a:p>
+          <a:p>
+            <a:r>
+              <a:rPr lang="en-US" dirty="0">
+                <a:solidFill>
+                  <a:srgbClr val="D9D9D9"/>
+                </a:solidFill>
+              </a:rPr>
+              <a:t>Using n-grams of 2 or 3 to gather additional context of the text</a:t>
+            </a:r>
+          </a:p>
+          <a:p>
+            <a:r>
+              <a:rPr lang="en-US" dirty="0">
+                <a:solidFill>
+                  <a:srgbClr val="D9D9D9"/>
+                </a:solidFill>
+              </a:rPr>
+              <a:t>Using alternate models, such as SVM or deep learning</a:t>
+            </a:r>
+          </a:p>
+          <a:p>
+            <a:r>
+              <a:rPr lang="en-US" dirty="0">
+                <a:solidFill>
+                  <a:srgbClr val="D9D9D9"/>
+                </a:solidFill>
+              </a:rPr>
+              <a:t>Using ‘Recall’ as evaluation metric in </a:t>
+            </a:r>
+            <a:r>
+              <a:rPr lang="en-US" dirty="0" err="1">
+                <a:solidFill>
+                  <a:srgbClr val="D9D9D9"/>
+                </a:solidFill>
+              </a:rPr>
+              <a:t>GridSearch</a:t>
+            </a:r>
+            <a:r>
+              <a:rPr lang="en-US" dirty="0">
+                <a:solidFill>
+                  <a:srgbClr val="D9D9D9"/>
+                </a:solidFill>
+              </a:rPr>
+              <a:t> instead of ‘Accuracy’</a:t>
+            </a:r>
+          </a:p>
+        </p:txBody>
+      </p:sp>
+    </p:spTree>
+    <p:extLst>
+      <p:ext uri="{BB962C8B-B14F-4D97-AF65-F5344CB8AC3E}">
+        <p14:creationId xmlns:p14="http://schemas.microsoft.com/office/powerpoint/2010/main" val="2797700355"/>
       </p:ext>
     </p:extLst>
   </p:cSld>
